--- a/Trunk/Presentations/Special Topics/DCAF Under the Hood.pptx
+++ b/Trunk/Presentations/Special Topics/DCAF Under the Hood.pptx
@@ -208,7 +208,7 @@
           <a:p>
             <a:fld id="{54520A66-B70D-4F81-A7E5-A836D99EF20F}" type="datetimeFigureOut">
               <a:rPr lang="en-US" smtClean="0"/>
-              <a:t>2/27/2018</a:t>
+              <a:t>5/8/2018</a:t>
             </a:fld>
             <a:endParaRPr lang="en-US"/>
           </a:p>
@@ -753,7 +753,7 @@
           <a:p>
             <a:fld id="{5509FEBF-240A-491C-BB8B-C2CB806F5AB6}" type="datetimeFigureOut">
               <a:rPr lang="en-US" smtClean="0"/>
-              <a:t>2/27/2018</a:t>
+              <a:t>5/8/2018</a:t>
             </a:fld>
             <a:endParaRPr lang="en-US"/>
           </a:p>
@@ -951,7 +951,7 @@
           <a:p>
             <a:fld id="{5509FEBF-240A-491C-BB8B-C2CB806F5AB6}" type="datetimeFigureOut">
               <a:rPr lang="en-US" smtClean="0"/>
-              <a:t>2/27/2018</a:t>
+              <a:t>5/8/2018</a:t>
             </a:fld>
             <a:endParaRPr lang="en-US"/>
           </a:p>
@@ -1159,7 +1159,7 @@
           <a:p>
             <a:fld id="{5509FEBF-240A-491C-BB8B-C2CB806F5AB6}" type="datetimeFigureOut">
               <a:rPr lang="en-US" smtClean="0"/>
-              <a:t>2/27/2018</a:t>
+              <a:t>5/8/2018</a:t>
             </a:fld>
             <a:endParaRPr lang="en-US"/>
           </a:p>
@@ -1357,7 +1357,7 @@
           <a:p>
             <a:fld id="{5509FEBF-240A-491C-BB8B-C2CB806F5AB6}" type="datetimeFigureOut">
               <a:rPr lang="en-US" smtClean="0"/>
-              <a:t>2/27/2018</a:t>
+              <a:t>5/8/2018</a:t>
             </a:fld>
             <a:endParaRPr lang="en-US"/>
           </a:p>
@@ -1632,7 +1632,7 @@
           <a:p>
             <a:fld id="{5509FEBF-240A-491C-BB8B-C2CB806F5AB6}" type="datetimeFigureOut">
               <a:rPr lang="en-US" smtClean="0"/>
-              <a:t>2/27/2018</a:t>
+              <a:t>5/8/2018</a:t>
             </a:fld>
             <a:endParaRPr lang="en-US"/>
           </a:p>
@@ -1897,7 +1897,7 @@
           <a:p>
             <a:fld id="{5509FEBF-240A-491C-BB8B-C2CB806F5AB6}" type="datetimeFigureOut">
               <a:rPr lang="en-US" smtClean="0"/>
-              <a:t>2/27/2018</a:t>
+              <a:t>5/8/2018</a:t>
             </a:fld>
             <a:endParaRPr lang="en-US"/>
           </a:p>
@@ -2309,7 +2309,7 @@
           <a:p>
             <a:fld id="{5509FEBF-240A-491C-BB8B-C2CB806F5AB6}" type="datetimeFigureOut">
               <a:rPr lang="en-US" smtClean="0"/>
-              <a:t>2/27/2018</a:t>
+              <a:t>5/8/2018</a:t>
             </a:fld>
             <a:endParaRPr lang="en-US"/>
           </a:p>
@@ -2450,7 +2450,7 @@
           <a:p>
             <a:fld id="{5509FEBF-240A-491C-BB8B-C2CB806F5AB6}" type="datetimeFigureOut">
               <a:rPr lang="en-US" smtClean="0"/>
-              <a:t>2/27/2018</a:t>
+              <a:t>5/8/2018</a:t>
             </a:fld>
             <a:endParaRPr lang="en-US"/>
           </a:p>
@@ -2563,7 +2563,7 @@
           <a:p>
             <a:fld id="{5509FEBF-240A-491C-BB8B-C2CB806F5AB6}" type="datetimeFigureOut">
               <a:rPr lang="en-US" smtClean="0"/>
-              <a:t>2/27/2018</a:t>
+              <a:t>5/8/2018</a:t>
             </a:fld>
             <a:endParaRPr lang="en-US"/>
           </a:p>
@@ -2874,7 +2874,7 @@
           <a:p>
             <a:fld id="{5509FEBF-240A-491C-BB8B-C2CB806F5AB6}" type="datetimeFigureOut">
               <a:rPr lang="en-US" smtClean="0"/>
-              <a:t>2/27/2018</a:t>
+              <a:t>5/8/2018</a:t>
             </a:fld>
             <a:endParaRPr lang="en-US"/>
           </a:p>
@@ -3162,7 +3162,7 @@
           <a:p>
             <a:fld id="{5509FEBF-240A-491C-BB8B-C2CB806F5AB6}" type="datetimeFigureOut">
               <a:rPr lang="en-US" smtClean="0"/>
-              <a:t>2/27/2018</a:t>
+              <a:t>5/8/2018</a:t>
             </a:fld>
             <a:endParaRPr lang="en-US"/>
           </a:p>
@@ -3403,7 +3403,7 @@
           <a:p>
             <a:fld id="{5509FEBF-240A-491C-BB8B-C2CB806F5AB6}" type="datetimeFigureOut">
               <a:rPr lang="en-US" smtClean="0"/>
-              <a:t>2/27/2018</a:t>
+              <a:t>5/8/2018</a:t>
             </a:fld>
             <a:endParaRPr lang="en-US"/>
           </a:p>
@@ -5638,13 +5638,8 @@
           <a:p>
             <a:r>
               <a:rPr lang="en-US" dirty="0"/>
-              <a:t>Module </a:t>
-            </a:r>
-            <a:r>
-              <a:rPr lang="en-US" dirty="0" err="1"/>
-              <a:t>desig</a:t>
-            </a:r>
-            <a:endParaRPr lang="en-US" dirty="0"/>
+              <a:t>Module design</a:t>
+            </a:r>
           </a:p>
         </p:txBody>
       </p:sp>
